--- a/docs/Module 5_knitr.pptx
+++ b/docs/Module 5_knitr.pptx
@@ -147,7 +147,7 @@
   </p:defaultTextStyle>
   <p:extLst>
     <p:ext uri="{EFAFB233-063F-42B5-8137-9DF3F51BA10A}">
-      <p15:sldGuideLst xmlns:p15="http://schemas.microsoft.com/office/powerpoint/2012/main">
+      <p15:sldGuideLst xmlns:p15="http://schemas.microsoft.com/office/powerpoint/2012/main" xmlns="">
         <p15:guide id="1" orient="horz" pos="2160">
           <p15:clr>
             <a:srgbClr val="A4A3A4"/>
@@ -247,7 +247,7 @@
             <a:fld id="{CC2F67DC-D9EB-9842-AACC-87EB4FF362D8}" type="datetimeFigureOut">
               <a:rPr lang="zh-CN" altLang="en-US"/>
               <a:pPr/>
-              <a:t>2021/10/20</a:t>
+              <a:t>2021/11/2</a:t>
             </a:fld>
             <a:endParaRPr lang="en-US"/>
           </a:p>
@@ -415,7 +415,7 @@
     </p:spTree>
     <p:extLst>
       <p:ext uri="{BB962C8B-B14F-4D97-AF65-F5344CB8AC3E}">
-        <p14:creationId xmlns:p14="http://schemas.microsoft.com/office/powerpoint/2010/main" val="2850199036"/>
+        <p14:creationId xmlns:p14="http://schemas.microsoft.com/office/powerpoint/2010/main" xmlns="" val="2850199036"/>
       </p:ext>
     </p:extLst>
   </p:cSld>
@@ -590,7 +590,7 @@
     </p:spTree>
     <p:extLst>
       <p:ext uri="{BB962C8B-B14F-4D97-AF65-F5344CB8AC3E}">
-        <p14:creationId xmlns:p14="http://schemas.microsoft.com/office/powerpoint/2010/main" val="2784331012"/>
+        <p14:creationId xmlns:p14="http://schemas.microsoft.com/office/powerpoint/2010/main" xmlns="" val="2784331012"/>
       </p:ext>
     </p:extLst>
   </p:cSld>
@@ -680,7 +680,7 @@
     </p:spTree>
     <p:extLst>
       <p:ext uri="{BB962C8B-B14F-4D97-AF65-F5344CB8AC3E}">
-        <p14:creationId xmlns:p14="http://schemas.microsoft.com/office/powerpoint/2010/main" val="4217824965"/>
+        <p14:creationId xmlns:p14="http://schemas.microsoft.com/office/powerpoint/2010/main" xmlns="" val="4217824965"/>
       </p:ext>
     </p:extLst>
   </p:cSld>
@@ -770,7 +770,7 @@
     </p:spTree>
     <p:extLst>
       <p:ext uri="{BB962C8B-B14F-4D97-AF65-F5344CB8AC3E}">
-        <p14:creationId xmlns:p14="http://schemas.microsoft.com/office/powerpoint/2010/main" val="2218126061"/>
+        <p14:creationId xmlns:p14="http://schemas.microsoft.com/office/powerpoint/2010/main" xmlns="" val="2218126061"/>
       </p:ext>
     </p:extLst>
   </p:cSld>
@@ -860,7 +860,7 @@
     </p:spTree>
     <p:extLst>
       <p:ext uri="{BB962C8B-B14F-4D97-AF65-F5344CB8AC3E}">
-        <p14:creationId xmlns:p14="http://schemas.microsoft.com/office/powerpoint/2010/main" val="3737352914"/>
+        <p14:creationId xmlns:p14="http://schemas.microsoft.com/office/powerpoint/2010/main" xmlns="" val="3737352914"/>
       </p:ext>
     </p:extLst>
   </p:cSld>
@@ -950,7 +950,7 @@
     </p:spTree>
     <p:extLst>
       <p:ext uri="{BB962C8B-B14F-4D97-AF65-F5344CB8AC3E}">
-        <p14:creationId xmlns:p14="http://schemas.microsoft.com/office/powerpoint/2010/main" val="671215689"/>
+        <p14:creationId xmlns:p14="http://schemas.microsoft.com/office/powerpoint/2010/main" xmlns="" val="671215689"/>
       </p:ext>
     </p:extLst>
   </p:cSld>
@@ -1040,7 +1040,7 @@
     </p:spTree>
     <p:extLst>
       <p:ext uri="{BB962C8B-B14F-4D97-AF65-F5344CB8AC3E}">
-        <p14:creationId xmlns:p14="http://schemas.microsoft.com/office/powerpoint/2010/main" val="4165136087"/>
+        <p14:creationId xmlns:p14="http://schemas.microsoft.com/office/powerpoint/2010/main" xmlns="" val="4165136087"/>
       </p:ext>
     </p:extLst>
   </p:cSld>
@@ -1130,7 +1130,7 @@
     </p:spTree>
     <p:extLst>
       <p:ext uri="{BB962C8B-B14F-4D97-AF65-F5344CB8AC3E}">
-        <p14:creationId xmlns:p14="http://schemas.microsoft.com/office/powerpoint/2010/main" val="1767321331"/>
+        <p14:creationId xmlns:p14="http://schemas.microsoft.com/office/powerpoint/2010/main" xmlns="" val="1767321331"/>
       </p:ext>
     </p:extLst>
   </p:cSld>
@@ -1220,7 +1220,7 @@
     </p:spTree>
     <p:extLst>
       <p:ext uri="{BB962C8B-B14F-4D97-AF65-F5344CB8AC3E}">
-        <p14:creationId xmlns:p14="http://schemas.microsoft.com/office/powerpoint/2010/main" val="775554455"/>
+        <p14:creationId xmlns:p14="http://schemas.microsoft.com/office/powerpoint/2010/main" xmlns="" val="775554455"/>
       </p:ext>
     </p:extLst>
   </p:cSld>
@@ -1310,7 +1310,7 @@
     </p:spTree>
     <p:extLst>
       <p:ext uri="{BB962C8B-B14F-4D97-AF65-F5344CB8AC3E}">
-        <p14:creationId xmlns:p14="http://schemas.microsoft.com/office/powerpoint/2010/main" val="2268075079"/>
+        <p14:creationId xmlns:p14="http://schemas.microsoft.com/office/powerpoint/2010/main" xmlns="" val="2268075079"/>
       </p:ext>
     </p:extLst>
   </p:cSld>
@@ -1400,7 +1400,7 @@
     </p:spTree>
     <p:extLst>
       <p:ext uri="{BB962C8B-B14F-4D97-AF65-F5344CB8AC3E}">
-        <p14:creationId xmlns:p14="http://schemas.microsoft.com/office/powerpoint/2010/main" val="2903707826"/>
+        <p14:creationId xmlns:p14="http://schemas.microsoft.com/office/powerpoint/2010/main" xmlns="" val="2903707826"/>
       </p:ext>
     </p:extLst>
   </p:cSld>
@@ -1490,7 +1490,7 @@
     </p:spTree>
     <p:extLst>
       <p:ext uri="{BB962C8B-B14F-4D97-AF65-F5344CB8AC3E}">
-        <p14:creationId xmlns:p14="http://schemas.microsoft.com/office/powerpoint/2010/main" val="3579873328"/>
+        <p14:creationId xmlns:p14="http://schemas.microsoft.com/office/powerpoint/2010/main" xmlns="" val="3579873328"/>
       </p:ext>
     </p:extLst>
   </p:cSld>
@@ -1575,7 +1575,7 @@
     </p:spTree>
     <p:extLst>
       <p:ext uri="{BB962C8B-B14F-4D97-AF65-F5344CB8AC3E}">
-        <p14:creationId xmlns:p14="http://schemas.microsoft.com/office/powerpoint/2010/main" val="2784331012"/>
+        <p14:creationId xmlns:p14="http://schemas.microsoft.com/office/powerpoint/2010/main" xmlns="" val="2784331012"/>
       </p:ext>
     </p:extLst>
   </p:cSld>
@@ -1665,7 +1665,7 @@
     </p:spTree>
     <p:extLst>
       <p:ext uri="{BB962C8B-B14F-4D97-AF65-F5344CB8AC3E}">
-        <p14:creationId xmlns:p14="http://schemas.microsoft.com/office/powerpoint/2010/main" val="3166424842"/>
+        <p14:creationId xmlns:p14="http://schemas.microsoft.com/office/powerpoint/2010/main" xmlns="" val="3166424842"/>
       </p:ext>
     </p:extLst>
   </p:cSld>
@@ -1755,7 +1755,7 @@
     </p:spTree>
     <p:extLst>
       <p:ext uri="{BB962C8B-B14F-4D97-AF65-F5344CB8AC3E}">
-        <p14:creationId xmlns:p14="http://schemas.microsoft.com/office/powerpoint/2010/main" val="3673563735"/>
+        <p14:creationId xmlns:p14="http://schemas.microsoft.com/office/powerpoint/2010/main" xmlns="" val="3673563735"/>
       </p:ext>
     </p:extLst>
   </p:cSld>
@@ -1845,7 +1845,7 @@
     </p:spTree>
     <p:extLst>
       <p:ext uri="{BB962C8B-B14F-4D97-AF65-F5344CB8AC3E}">
-        <p14:creationId xmlns:p14="http://schemas.microsoft.com/office/powerpoint/2010/main" val="3240514889"/>
+        <p14:creationId xmlns:p14="http://schemas.microsoft.com/office/powerpoint/2010/main" xmlns="" val="3240514889"/>
       </p:ext>
     </p:extLst>
   </p:cSld>
@@ -1935,7 +1935,7 @@
     </p:spTree>
     <p:extLst>
       <p:ext uri="{BB962C8B-B14F-4D97-AF65-F5344CB8AC3E}">
-        <p14:creationId xmlns:p14="http://schemas.microsoft.com/office/powerpoint/2010/main" val="1944753035"/>
+        <p14:creationId xmlns:p14="http://schemas.microsoft.com/office/powerpoint/2010/main" xmlns="" val="1944753035"/>
       </p:ext>
     </p:extLst>
   </p:cSld>
@@ -2025,7 +2025,7 @@
     </p:spTree>
     <p:extLst>
       <p:ext uri="{BB962C8B-B14F-4D97-AF65-F5344CB8AC3E}">
-        <p14:creationId xmlns:p14="http://schemas.microsoft.com/office/powerpoint/2010/main" val="2711907341"/>
+        <p14:creationId xmlns:p14="http://schemas.microsoft.com/office/powerpoint/2010/main" xmlns="" val="2711907341"/>
       </p:ext>
     </p:extLst>
   </p:cSld>
@@ -2115,7 +2115,7 @@
     </p:spTree>
     <p:extLst>
       <p:ext uri="{BB962C8B-B14F-4D97-AF65-F5344CB8AC3E}">
-        <p14:creationId xmlns:p14="http://schemas.microsoft.com/office/powerpoint/2010/main" val="1082528081"/>
+        <p14:creationId xmlns:p14="http://schemas.microsoft.com/office/powerpoint/2010/main" xmlns="" val="1082528081"/>
       </p:ext>
     </p:extLst>
   </p:cSld>
@@ -2205,7 +2205,7 @@
     </p:spTree>
     <p:extLst>
       <p:ext uri="{BB962C8B-B14F-4D97-AF65-F5344CB8AC3E}">
-        <p14:creationId xmlns:p14="http://schemas.microsoft.com/office/powerpoint/2010/main" val="2256625970"/>
+        <p14:creationId xmlns:p14="http://schemas.microsoft.com/office/powerpoint/2010/main" xmlns="" val="2256625970"/>
       </p:ext>
     </p:extLst>
   </p:cSld>
@@ -2295,7 +2295,7 @@
     </p:spTree>
     <p:extLst>
       <p:ext uri="{BB962C8B-B14F-4D97-AF65-F5344CB8AC3E}">
-        <p14:creationId xmlns:p14="http://schemas.microsoft.com/office/powerpoint/2010/main" val="1955414341"/>
+        <p14:creationId xmlns:p14="http://schemas.microsoft.com/office/powerpoint/2010/main" xmlns="" val="1955414341"/>
       </p:ext>
     </p:extLst>
   </p:cSld>
@@ -2385,7 +2385,7 @@
     </p:spTree>
     <p:extLst>
       <p:ext uri="{BB962C8B-B14F-4D97-AF65-F5344CB8AC3E}">
-        <p14:creationId xmlns:p14="http://schemas.microsoft.com/office/powerpoint/2010/main" val="2727656828"/>
+        <p14:creationId xmlns:p14="http://schemas.microsoft.com/office/powerpoint/2010/main" xmlns="" val="2727656828"/>
       </p:ext>
     </p:extLst>
   </p:cSld>
@@ -2475,7 +2475,7 @@
     </p:spTree>
     <p:extLst>
       <p:ext uri="{BB962C8B-B14F-4D97-AF65-F5344CB8AC3E}">
-        <p14:creationId xmlns:p14="http://schemas.microsoft.com/office/powerpoint/2010/main" val="1939295180"/>
+        <p14:creationId xmlns:p14="http://schemas.microsoft.com/office/powerpoint/2010/main" xmlns="" val="1939295180"/>
       </p:ext>
     </p:extLst>
   </p:cSld>
@@ -2565,7 +2565,7 @@
     </p:spTree>
     <p:extLst>
       <p:ext uri="{BB962C8B-B14F-4D97-AF65-F5344CB8AC3E}">
-        <p14:creationId xmlns:p14="http://schemas.microsoft.com/office/powerpoint/2010/main" val="2717534428"/>
+        <p14:creationId xmlns:p14="http://schemas.microsoft.com/office/powerpoint/2010/main" xmlns="" val="2717534428"/>
       </p:ext>
     </p:extLst>
   </p:cSld>
@@ -2655,7 +2655,7 @@
     </p:spTree>
     <p:extLst>
       <p:ext uri="{BB962C8B-B14F-4D97-AF65-F5344CB8AC3E}">
-        <p14:creationId xmlns:p14="http://schemas.microsoft.com/office/powerpoint/2010/main" val="2743444209"/>
+        <p14:creationId xmlns:p14="http://schemas.microsoft.com/office/powerpoint/2010/main" xmlns="" val="2743444209"/>
       </p:ext>
     </p:extLst>
   </p:cSld>
@@ -2745,7 +2745,7 @@
     </p:spTree>
     <p:extLst>
       <p:ext uri="{BB962C8B-B14F-4D97-AF65-F5344CB8AC3E}">
-        <p14:creationId xmlns:p14="http://schemas.microsoft.com/office/powerpoint/2010/main" val="986350086"/>
+        <p14:creationId xmlns:p14="http://schemas.microsoft.com/office/powerpoint/2010/main" xmlns="" val="986350086"/>
       </p:ext>
     </p:extLst>
   </p:cSld>
@@ -2835,7 +2835,7 @@
     </p:spTree>
     <p:extLst>
       <p:ext uri="{BB962C8B-B14F-4D97-AF65-F5344CB8AC3E}">
-        <p14:creationId xmlns:p14="http://schemas.microsoft.com/office/powerpoint/2010/main" val="3851476836"/>
+        <p14:creationId xmlns:p14="http://schemas.microsoft.com/office/powerpoint/2010/main" xmlns="" val="3851476836"/>
       </p:ext>
     </p:extLst>
   </p:cSld>
@@ -2925,7 +2925,7 @@
     </p:spTree>
     <p:extLst>
       <p:ext uri="{BB962C8B-B14F-4D97-AF65-F5344CB8AC3E}">
-        <p14:creationId xmlns:p14="http://schemas.microsoft.com/office/powerpoint/2010/main" val="3463006244"/>
+        <p14:creationId xmlns:p14="http://schemas.microsoft.com/office/powerpoint/2010/main" xmlns="" val="3463006244"/>
       </p:ext>
     </p:extLst>
   </p:cSld>
@@ -3015,7 +3015,7 @@
     </p:spTree>
     <p:extLst>
       <p:ext uri="{BB962C8B-B14F-4D97-AF65-F5344CB8AC3E}">
-        <p14:creationId xmlns:p14="http://schemas.microsoft.com/office/powerpoint/2010/main" val="3861034279"/>
+        <p14:creationId xmlns:p14="http://schemas.microsoft.com/office/powerpoint/2010/main" xmlns="" val="3861034279"/>
       </p:ext>
     </p:extLst>
   </p:cSld>
@@ -3105,7 +3105,7 @@
     </p:spTree>
     <p:extLst>
       <p:ext uri="{BB962C8B-B14F-4D97-AF65-F5344CB8AC3E}">
-        <p14:creationId xmlns:p14="http://schemas.microsoft.com/office/powerpoint/2010/main" val="4059950238"/>
+        <p14:creationId xmlns:p14="http://schemas.microsoft.com/office/powerpoint/2010/main" xmlns="" val="4059950238"/>
       </p:ext>
     </p:extLst>
   </p:cSld>
@@ -3195,7 +3195,7 @@
     </p:spTree>
     <p:extLst>
       <p:ext uri="{BB962C8B-B14F-4D97-AF65-F5344CB8AC3E}">
-        <p14:creationId xmlns:p14="http://schemas.microsoft.com/office/powerpoint/2010/main" val="2032992835"/>
+        <p14:creationId xmlns:p14="http://schemas.microsoft.com/office/powerpoint/2010/main" xmlns="" val="2032992835"/>
       </p:ext>
     </p:extLst>
   </p:cSld>
@@ -3285,7 +3285,7 @@
     </p:spTree>
     <p:extLst>
       <p:ext uri="{BB962C8B-B14F-4D97-AF65-F5344CB8AC3E}">
-        <p14:creationId xmlns:p14="http://schemas.microsoft.com/office/powerpoint/2010/main" val="1249142562"/>
+        <p14:creationId xmlns:p14="http://schemas.microsoft.com/office/powerpoint/2010/main" xmlns="" val="1249142562"/>
       </p:ext>
     </p:extLst>
   </p:cSld>
@@ -3375,7 +3375,7 @@
     </p:spTree>
     <p:extLst>
       <p:ext uri="{BB962C8B-B14F-4D97-AF65-F5344CB8AC3E}">
-        <p14:creationId xmlns:p14="http://schemas.microsoft.com/office/powerpoint/2010/main" val="1274459400"/>
+        <p14:creationId xmlns:p14="http://schemas.microsoft.com/office/powerpoint/2010/main" xmlns="" val="1274459400"/>
       </p:ext>
     </p:extLst>
   </p:cSld>
@@ -3465,7 +3465,7 @@
     </p:spTree>
     <p:extLst>
       <p:ext uri="{BB962C8B-B14F-4D97-AF65-F5344CB8AC3E}">
-        <p14:creationId xmlns:p14="http://schemas.microsoft.com/office/powerpoint/2010/main" val="2733786373"/>
+        <p14:creationId xmlns:p14="http://schemas.microsoft.com/office/powerpoint/2010/main" xmlns="" val="2733786373"/>
       </p:ext>
     </p:extLst>
   </p:cSld>
@@ -3555,7 +3555,7 @@
     </p:spTree>
     <p:extLst>
       <p:ext uri="{BB962C8B-B14F-4D97-AF65-F5344CB8AC3E}">
-        <p14:creationId xmlns:p14="http://schemas.microsoft.com/office/powerpoint/2010/main" val="4242643837"/>
+        <p14:creationId xmlns:p14="http://schemas.microsoft.com/office/powerpoint/2010/main" xmlns="" val="4242643837"/>
       </p:ext>
     </p:extLst>
   </p:cSld>
@@ -3645,7 +3645,7 @@
     </p:spTree>
     <p:extLst>
       <p:ext uri="{BB962C8B-B14F-4D97-AF65-F5344CB8AC3E}">
-        <p14:creationId xmlns:p14="http://schemas.microsoft.com/office/powerpoint/2010/main" val="423200674"/>
+        <p14:creationId xmlns:p14="http://schemas.microsoft.com/office/powerpoint/2010/main" xmlns="" val="423200674"/>
       </p:ext>
     </p:extLst>
   </p:cSld>
@@ -3735,7 +3735,7 @@
     </p:spTree>
     <p:extLst>
       <p:ext uri="{BB962C8B-B14F-4D97-AF65-F5344CB8AC3E}">
-        <p14:creationId xmlns:p14="http://schemas.microsoft.com/office/powerpoint/2010/main" val="2640619001"/>
+        <p14:creationId xmlns:p14="http://schemas.microsoft.com/office/powerpoint/2010/main" xmlns="" val="2640619001"/>
       </p:ext>
     </p:extLst>
   </p:cSld>
@@ -3825,7 +3825,7 @@
     </p:spTree>
     <p:extLst>
       <p:ext uri="{BB962C8B-B14F-4D97-AF65-F5344CB8AC3E}">
-        <p14:creationId xmlns:p14="http://schemas.microsoft.com/office/powerpoint/2010/main" val="2324777082"/>
+        <p14:creationId xmlns:p14="http://schemas.microsoft.com/office/powerpoint/2010/main" xmlns="" val="2324777082"/>
       </p:ext>
     </p:extLst>
   </p:cSld>
@@ -3915,7 +3915,7 @@
     </p:spTree>
     <p:extLst>
       <p:ext uri="{BB962C8B-B14F-4D97-AF65-F5344CB8AC3E}">
-        <p14:creationId xmlns:p14="http://schemas.microsoft.com/office/powerpoint/2010/main" val="4017053685"/>
+        <p14:creationId xmlns:p14="http://schemas.microsoft.com/office/powerpoint/2010/main" xmlns="" val="4017053685"/>
       </p:ext>
     </p:extLst>
   </p:cSld>
@@ -4005,7 +4005,7 @@
     </p:spTree>
     <p:extLst>
       <p:ext uri="{BB962C8B-B14F-4D97-AF65-F5344CB8AC3E}">
-        <p14:creationId xmlns:p14="http://schemas.microsoft.com/office/powerpoint/2010/main" val="1603799458"/>
+        <p14:creationId xmlns:p14="http://schemas.microsoft.com/office/powerpoint/2010/main" xmlns="" val="1603799458"/>
       </p:ext>
     </p:extLst>
   </p:cSld>
@@ -4195,7 +4195,7 @@
             <a:fld id="{0E5D33D5-4C79-2644-97D0-9A6C8983A5BE}" type="datetimeFigureOut">
               <a:rPr lang="en-US" smtClean="0"/>
               <a:pPr/>
-              <a:t>10/20/2021</a:t>
+              <a:t>11/2/2021</a:t>
             </a:fld>
             <a:endParaRPr lang="en-US"/>
           </a:p>
@@ -4247,7 +4247,7 @@
     </p:spTree>
     <p:extLst>
       <p:ext uri="{BB962C8B-B14F-4D97-AF65-F5344CB8AC3E}">
-        <p14:creationId xmlns:p14="http://schemas.microsoft.com/office/powerpoint/2010/main" val="445765283"/>
+        <p14:creationId xmlns:p14="http://schemas.microsoft.com/office/powerpoint/2010/main" xmlns="" val="445765283"/>
       </p:ext>
     </p:extLst>
   </p:cSld>
@@ -4365,7 +4365,7 @@
             <a:fld id="{0E5D33D5-4C79-2644-97D0-9A6C8983A5BE}" type="datetimeFigureOut">
               <a:rPr lang="en-US" smtClean="0"/>
               <a:pPr/>
-              <a:t>10/20/2021</a:t>
+              <a:t>11/2/2021</a:t>
             </a:fld>
             <a:endParaRPr lang="en-US"/>
           </a:p>
@@ -4417,7 +4417,7 @@
     </p:spTree>
     <p:extLst>
       <p:ext uri="{BB962C8B-B14F-4D97-AF65-F5344CB8AC3E}">
-        <p14:creationId xmlns:p14="http://schemas.microsoft.com/office/powerpoint/2010/main" val="2078769123"/>
+        <p14:creationId xmlns:p14="http://schemas.microsoft.com/office/powerpoint/2010/main" xmlns="" val="2078769123"/>
       </p:ext>
     </p:extLst>
   </p:cSld>
@@ -4545,7 +4545,7 @@
             <a:fld id="{0E5D33D5-4C79-2644-97D0-9A6C8983A5BE}" type="datetimeFigureOut">
               <a:rPr lang="en-US" smtClean="0"/>
               <a:pPr/>
-              <a:t>10/20/2021</a:t>
+              <a:t>11/2/2021</a:t>
             </a:fld>
             <a:endParaRPr lang="en-US"/>
           </a:p>
@@ -4597,7 +4597,7 @@
     </p:spTree>
     <p:extLst>
       <p:ext uri="{BB962C8B-B14F-4D97-AF65-F5344CB8AC3E}">
-        <p14:creationId xmlns:p14="http://schemas.microsoft.com/office/powerpoint/2010/main" val="303574098"/>
+        <p14:creationId xmlns:p14="http://schemas.microsoft.com/office/powerpoint/2010/main" xmlns="" val="303574098"/>
       </p:ext>
     </p:extLst>
   </p:cSld>
@@ -4715,7 +4715,7 @@
             <a:fld id="{0E5D33D5-4C79-2644-97D0-9A6C8983A5BE}" type="datetimeFigureOut">
               <a:rPr lang="en-US" smtClean="0"/>
               <a:pPr/>
-              <a:t>10/20/2021</a:t>
+              <a:t>11/2/2021</a:t>
             </a:fld>
             <a:endParaRPr lang="en-US"/>
           </a:p>
@@ -4767,7 +4767,7 @@
     </p:spTree>
     <p:extLst>
       <p:ext uri="{BB962C8B-B14F-4D97-AF65-F5344CB8AC3E}">
-        <p14:creationId xmlns:p14="http://schemas.microsoft.com/office/powerpoint/2010/main" val="3974684026"/>
+        <p14:creationId xmlns:p14="http://schemas.microsoft.com/office/powerpoint/2010/main" xmlns="" val="3974684026"/>
       </p:ext>
     </p:extLst>
   </p:cSld>
@@ -4962,7 +4962,7 @@
             <a:fld id="{0E5D33D5-4C79-2644-97D0-9A6C8983A5BE}" type="datetimeFigureOut">
               <a:rPr lang="en-US" smtClean="0"/>
               <a:pPr/>
-              <a:t>10/20/2021</a:t>
+              <a:t>11/2/2021</a:t>
             </a:fld>
             <a:endParaRPr lang="en-US"/>
           </a:p>
@@ -5014,7 +5014,7 @@
     </p:spTree>
     <p:extLst>
       <p:ext uri="{BB962C8B-B14F-4D97-AF65-F5344CB8AC3E}">
-        <p14:creationId xmlns:p14="http://schemas.microsoft.com/office/powerpoint/2010/main" val="3358057431"/>
+        <p14:creationId xmlns:p14="http://schemas.microsoft.com/office/powerpoint/2010/main" xmlns="" val="3358057431"/>
       </p:ext>
     </p:extLst>
   </p:cSld>
@@ -5249,7 +5249,7 @@
             <a:fld id="{0E5D33D5-4C79-2644-97D0-9A6C8983A5BE}" type="datetimeFigureOut">
               <a:rPr lang="en-US" smtClean="0"/>
               <a:pPr/>
-              <a:t>10/20/2021</a:t>
+              <a:t>11/2/2021</a:t>
             </a:fld>
             <a:endParaRPr lang="en-US"/>
           </a:p>
@@ -5301,7 +5301,7 @@
     </p:spTree>
     <p:extLst>
       <p:ext uri="{BB962C8B-B14F-4D97-AF65-F5344CB8AC3E}">
-        <p14:creationId xmlns:p14="http://schemas.microsoft.com/office/powerpoint/2010/main" val="1340549733"/>
+        <p14:creationId xmlns:p14="http://schemas.microsoft.com/office/powerpoint/2010/main" xmlns="" val="1340549733"/>
       </p:ext>
     </p:extLst>
   </p:cSld>
@@ -5675,7 +5675,7 @@
             <a:fld id="{0E5D33D5-4C79-2644-97D0-9A6C8983A5BE}" type="datetimeFigureOut">
               <a:rPr lang="en-US" smtClean="0"/>
               <a:pPr/>
-              <a:t>10/20/2021</a:t>
+              <a:t>11/2/2021</a:t>
             </a:fld>
             <a:endParaRPr lang="en-US"/>
           </a:p>
@@ -5727,7 +5727,7 @@
     </p:spTree>
     <p:extLst>
       <p:ext uri="{BB962C8B-B14F-4D97-AF65-F5344CB8AC3E}">
-        <p14:creationId xmlns:p14="http://schemas.microsoft.com/office/powerpoint/2010/main" val="1695953344"/>
+        <p14:creationId xmlns:p14="http://schemas.microsoft.com/office/powerpoint/2010/main" xmlns="" val="1695953344"/>
       </p:ext>
     </p:extLst>
   </p:cSld>
@@ -5794,7 +5794,7 @@
             <a:fld id="{0E5D33D5-4C79-2644-97D0-9A6C8983A5BE}" type="datetimeFigureOut">
               <a:rPr lang="en-US" smtClean="0"/>
               <a:pPr/>
-              <a:t>10/20/2021</a:t>
+              <a:t>11/2/2021</a:t>
             </a:fld>
             <a:endParaRPr lang="en-US"/>
           </a:p>
@@ -5846,7 +5846,7 @@
     </p:spTree>
     <p:extLst>
       <p:ext uri="{BB962C8B-B14F-4D97-AF65-F5344CB8AC3E}">
-        <p14:creationId xmlns:p14="http://schemas.microsoft.com/office/powerpoint/2010/main" val="986769321"/>
+        <p14:creationId xmlns:p14="http://schemas.microsoft.com/office/powerpoint/2010/main" xmlns="" val="986769321"/>
       </p:ext>
     </p:extLst>
   </p:cSld>
@@ -5891,7 +5891,7 @@
             <a:fld id="{0E5D33D5-4C79-2644-97D0-9A6C8983A5BE}" type="datetimeFigureOut">
               <a:rPr lang="en-US" smtClean="0"/>
               <a:pPr/>
-              <a:t>10/20/2021</a:t>
+              <a:t>11/2/2021</a:t>
             </a:fld>
             <a:endParaRPr lang="en-US"/>
           </a:p>
@@ -5943,7 +5943,7 @@
     </p:spTree>
     <p:extLst>
       <p:ext uri="{BB962C8B-B14F-4D97-AF65-F5344CB8AC3E}">
-        <p14:creationId xmlns:p14="http://schemas.microsoft.com/office/powerpoint/2010/main" val="139282091"/>
+        <p14:creationId xmlns:p14="http://schemas.microsoft.com/office/powerpoint/2010/main" xmlns="" val="139282091"/>
       </p:ext>
     </p:extLst>
   </p:cSld>
@@ -6168,7 +6168,7 @@
             <a:fld id="{0E5D33D5-4C79-2644-97D0-9A6C8983A5BE}" type="datetimeFigureOut">
               <a:rPr lang="en-US" smtClean="0"/>
               <a:pPr/>
-              <a:t>10/20/2021</a:t>
+              <a:t>11/2/2021</a:t>
             </a:fld>
             <a:endParaRPr lang="en-US"/>
           </a:p>
@@ -6220,7 +6220,7 @@
     </p:spTree>
     <p:extLst>
       <p:ext uri="{BB962C8B-B14F-4D97-AF65-F5344CB8AC3E}">
-        <p14:creationId xmlns:p14="http://schemas.microsoft.com/office/powerpoint/2010/main" val="105141299"/>
+        <p14:creationId xmlns:p14="http://schemas.microsoft.com/office/powerpoint/2010/main" xmlns="" val="105141299"/>
       </p:ext>
     </p:extLst>
   </p:cSld>
@@ -6422,7 +6422,7 @@
             <a:fld id="{0E5D33D5-4C79-2644-97D0-9A6C8983A5BE}" type="datetimeFigureOut">
               <a:rPr lang="en-US" smtClean="0"/>
               <a:pPr/>
-              <a:t>10/20/2021</a:t>
+              <a:t>11/2/2021</a:t>
             </a:fld>
             <a:endParaRPr lang="en-US"/>
           </a:p>
@@ -6474,7 +6474,7 @@
     </p:spTree>
     <p:extLst>
       <p:ext uri="{BB962C8B-B14F-4D97-AF65-F5344CB8AC3E}">
-        <p14:creationId xmlns:p14="http://schemas.microsoft.com/office/powerpoint/2010/main" val="114955063"/>
+        <p14:creationId xmlns:p14="http://schemas.microsoft.com/office/powerpoint/2010/main" xmlns="" val="114955063"/>
       </p:ext>
     </p:extLst>
   </p:cSld>
@@ -6635,7 +6635,7 @@
             <a:fld id="{0E5D33D5-4C79-2644-97D0-9A6C8983A5BE}" type="datetimeFigureOut">
               <a:rPr lang="en-US" smtClean="0"/>
               <a:pPr/>
-              <a:t>10/20/2021</a:t>
+              <a:t>11/2/2021</a:t>
             </a:fld>
             <a:endParaRPr lang="en-US"/>
           </a:p>
@@ -6723,7 +6723,7 @@
     </p:spTree>
     <p:extLst>
       <p:ext uri="{BB962C8B-B14F-4D97-AF65-F5344CB8AC3E}">
-        <p14:creationId xmlns:p14="http://schemas.microsoft.com/office/powerpoint/2010/main" val="1052396839"/>
+        <p14:creationId xmlns:p14="http://schemas.microsoft.com/office/powerpoint/2010/main" xmlns="" val="1052396839"/>
       </p:ext>
     </p:extLst>
   </p:cSld>
@@ -7099,7 +7099,7 @@
     </p:spTree>
     <p:extLst>
       <p:ext uri="{BB962C8B-B14F-4D97-AF65-F5344CB8AC3E}">
-        <p14:creationId xmlns:p14="http://schemas.microsoft.com/office/powerpoint/2010/main" val="3872027741"/>
+        <p14:creationId xmlns:p14="http://schemas.microsoft.com/office/powerpoint/2010/main" xmlns="" val="3872027741"/>
       </p:ext>
     </p:extLst>
   </p:cSld>
@@ -7203,7 +7203,7 @@
     </p:spTree>
     <p:extLst>
       <p:ext uri="{BB962C8B-B14F-4D97-AF65-F5344CB8AC3E}">
-        <p14:creationId xmlns:p14="http://schemas.microsoft.com/office/powerpoint/2010/main" val="3422824653"/>
+        <p14:creationId xmlns:p14="http://schemas.microsoft.com/office/powerpoint/2010/main" xmlns="" val="3422824653"/>
       </p:ext>
     </p:extLst>
   </p:cSld>
@@ -7302,7 +7302,7 @@
     </p:spTree>
     <p:extLst>
       <p:ext uri="{BB962C8B-B14F-4D97-AF65-F5344CB8AC3E}">
-        <p14:creationId xmlns:p14="http://schemas.microsoft.com/office/powerpoint/2010/main" val="794468349"/>
+        <p14:creationId xmlns:p14="http://schemas.microsoft.com/office/powerpoint/2010/main" xmlns="" val="794468349"/>
       </p:ext>
     </p:extLst>
   </p:cSld>
@@ -7415,7 +7415,7 @@
     </p:spTree>
     <p:extLst>
       <p:ext uri="{BB962C8B-B14F-4D97-AF65-F5344CB8AC3E}">
-        <p14:creationId xmlns:p14="http://schemas.microsoft.com/office/powerpoint/2010/main" val="81591838"/>
+        <p14:creationId xmlns:p14="http://schemas.microsoft.com/office/powerpoint/2010/main" xmlns="" val="81591838"/>
       </p:ext>
     </p:extLst>
   </p:cSld>
@@ -7504,8 +7504,16 @@
               <a:t>Documents that require precise formatting &amp; complicated </a:t>
             </a:r>
             <a:r>
-              <a:rPr lang="en-US" dirty="0" err="1"/>
-              <a:t>formating</a:t>
+              <a:rPr lang="en-US" dirty="0" smtClean="0"/>
+              <a:t>format</a:t>
+            </a:r>
+            <a:r>
+              <a:rPr lang="en-US" altLang="zh-CN" dirty="0" smtClean="0"/>
+              <a:t>t</a:t>
+            </a:r>
+            <a:r>
+              <a:rPr lang="en-US" dirty="0" smtClean="0"/>
+              <a:t>ing</a:t>
             </a:r>
             <a:endParaRPr lang="en-US" dirty="0"/>
           </a:p>
@@ -7514,13 +7522,20 @@
     </p:spTree>
     <p:extLst>
       <p:ext uri="{BB962C8B-B14F-4D97-AF65-F5344CB8AC3E}">
-        <p14:creationId xmlns:p14="http://schemas.microsoft.com/office/powerpoint/2010/main" val="3955909567"/>
+        <p14:creationId xmlns:p14="http://schemas.microsoft.com/office/powerpoint/2010/main" xmlns="" val="3955909567"/>
       </p:ext>
     </p:extLst>
   </p:cSld>
   <p:clrMapOvr>
     <a:masterClrMapping/>
   </p:clrMapOvr>
+  <p:timing>
+    <p:tnLst>
+      <p:par>
+        <p:cTn id="1" dur="indefinite" restart="never" nodeType="tmRoot"/>
+      </p:par>
+    </p:tnLst>
+  </p:timing>
 </p:sld>
 </file>
 
@@ -7583,7 +7598,7 @@
           <a:blip r:embed="rId3">
             <a:extLst>
               <a:ext uri="{28A0092B-C50C-407E-A947-70E740481C1C}">
-                <a14:useLocalDpi xmlns:a14="http://schemas.microsoft.com/office/drawing/2010/main" val="0"/>
+                <a14:useLocalDpi xmlns:a14="http://schemas.microsoft.com/office/drawing/2010/main" xmlns="" val="0"/>
               </a:ext>
             </a:extLst>
           </a:blip>
@@ -7756,7 +7771,7 @@
     </p:spTree>
     <p:extLst>
       <p:ext uri="{BB962C8B-B14F-4D97-AF65-F5344CB8AC3E}">
-        <p14:creationId xmlns:p14="http://schemas.microsoft.com/office/powerpoint/2010/main" val="1751205832"/>
+        <p14:creationId xmlns:p14="http://schemas.microsoft.com/office/powerpoint/2010/main" xmlns="" val="1751205832"/>
       </p:ext>
     </p:extLst>
   </p:cSld>
@@ -8003,7 +8018,7 @@
           <a:blip r:embed="rId3">
             <a:extLst>
               <a:ext uri="{28A0092B-C50C-407E-A947-70E740481C1C}">
-                <a14:useLocalDpi xmlns:a14="http://schemas.microsoft.com/office/drawing/2010/main" val="0"/>
+                <a14:useLocalDpi xmlns:a14="http://schemas.microsoft.com/office/drawing/2010/main" xmlns="" val="0"/>
               </a:ext>
             </a:extLst>
           </a:blip>
@@ -8176,7 +8191,7 @@
     </p:spTree>
     <p:extLst>
       <p:ext uri="{BB962C8B-B14F-4D97-AF65-F5344CB8AC3E}">
-        <p14:creationId xmlns:p14="http://schemas.microsoft.com/office/powerpoint/2010/main" val="1789113151"/>
+        <p14:creationId xmlns:p14="http://schemas.microsoft.com/office/powerpoint/2010/main" xmlns="" val="1789113151"/>
       </p:ext>
     </p:extLst>
   </p:cSld>
@@ -8425,7 +8440,7 @@
           <a:blip r:embed="rId3">
             <a:extLst>
               <a:ext uri="{28A0092B-C50C-407E-A947-70E740481C1C}">
-                <a14:useLocalDpi xmlns:a14="http://schemas.microsoft.com/office/drawing/2010/main" val="0"/>
+                <a14:useLocalDpi xmlns:a14="http://schemas.microsoft.com/office/drawing/2010/main" xmlns="" val="0"/>
               </a:ext>
             </a:extLst>
           </a:blip>
@@ -8522,7 +8537,7 @@
     </p:spTree>
     <p:extLst>
       <p:ext uri="{BB962C8B-B14F-4D97-AF65-F5344CB8AC3E}">
-        <p14:creationId xmlns:p14="http://schemas.microsoft.com/office/powerpoint/2010/main" val="3212027696"/>
+        <p14:creationId xmlns:p14="http://schemas.microsoft.com/office/powerpoint/2010/main" xmlns="" val="3212027696"/>
       </p:ext>
     </p:extLst>
   </p:cSld>
@@ -8710,24 +8725,45 @@
               <a:buNone/>
             </a:pPr>
             <a:r>
-              <a:rPr lang="en-US">
+              <a:rPr lang="en-US" dirty="0">
                 <a:latin typeface="Courier"/>
                 <a:cs typeface="Courier"/>
               </a:rPr>
-              <a:t>library(knitr)</a:t>
+              <a:t>library(</a:t>
+            </a:r>
+            <a:r>
+              <a:rPr lang="en-US" dirty="0" err="1">
+                <a:latin typeface="Courier"/>
+                <a:cs typeface="Courier"/>
+              </a:rPr>
+              <a:t>knitr</a:t>
+            </a:r>
+            <a:r>
+              <a:rPr lang="en-US" dirty="0">
+                <a:latin typeface="Courier"/>
+                <a:cs typeface="Courier"/>
+              </a:rPr>
+              <a:t>)</a:t>
             </a:r>
             <a:br>
-              <a:rPr lang="en-US">
+              <a:rPr lang="en-US" dirty="0">
                 <a:latin typeface="Courier"/>
                 <a:cs typeface="Courier"/>
               </a:rPr>
             </a:br>
             <a:r>
-              <a:rPr lang="en-US">
+              <a:rPr lang="en-US" dirty="0" err="1">
                 <a:latin typeface="Courier"/>
                 <a:cs typeface="Courier"/>
               </a:rPr>
-              <a:t>setwd(&lt;working directory&gt;)</a:t>
+              <a:t>setwd</a:t>
+            </a:r>
+            <a:r>
+              <a:rPr lang="en-US" dirty="0">
+                <a:latin typeface="Courier"/>
+                <a:cs typeface="Courier"/>
+              </a:rPr>
+              <a:t>(&lt;working directory&gt;)</a:t>
             </a:r>
           </a:p>
           <a:p>
@@ -8735,11 +8771,25 @@
               <a:buNone/>
             </a:pPr>
             <a:r>
-              <a:rPr lang="en-US">
+              <a:rPr lang="en-US" dirty="0">
                 <a:latin typeface="Courier"/>
                 <a:cs typeface="Courier"/>
               </a:rPr>
-              <a:t>knit2html(“document.Rmd”)</a:t>
+              <a:t>knit2html(“</a:t>
+            </a:r>
+            <a:r>
+              <a:rPr lang="en-US" dirty="0" err="1">
+                <a:latin typeface="Courier"/>
+                <a:cs typeface="Courier"/>
+              </a:rPr>
+              <a:t>document.Rmd</a:t>
+            </a:r>
+            <a:r>
+              <a:rPr lang="en-US" dirty="0">
+                <a:latin typeface="Courier"/>
+                <a:cs typeface="Courier"/>
+              </a:rPr>
+              <a:t>”)</a:t>
             </a:r>
           </a:p>
           <a:p>
@@ -8747,11 +8797,18 @@
               <a:buNone/>
             </a:pPr>
             <a:r>
-              <a:rPr lang="en-US">
+              <a:rPr lang="en-US" dirty="0" err="1">
                 <a:latin typeface="Courier"/>
                 <a:cs typeface="Courier"/>
               </a:rPr>
-              <a:t>browseURL(“document.html”)</a:t>
+              <a:t>browseURL</a:t>
+            </a:r>
+            <a:r>
+              <a:rPr lang="en-US" dirty="0">
+                <a:latin typeface="Courier"/>
+                <a:cs typeface="Courier"/>
+              </a:rPr>
+              <a:t>(“document.html”)</a:t>
             </a:r>
           </a:p>
         </p:txBody>
@@ -8759,13 +8816,20 @@
     </p:spTree>
     <p:extLst>
       <p:ext uri="{BB962C8B-B14F-4D97-AF65-F5344CB8AC3E}">
-        <p14:creationId xmlns:p14="http://schemas.microsoft.com/office/powerpoint/2010/main" val="3490930295"/>
+        <p14:creationId xmlns:p14="http://schemas.microsoft.com/office/powerpoint/2010/main" xmlns="" val="3490930295"/>
       </p:ext>
     </p:extLst>
   </p:cSld>
   <p:clrMapOvr>
     <a:masterClrMapping/>
   </p:clrMapOvr>
+  <p:timing>
+    <p:tnLst>
+      <p:par>
+        <p:cTn id="1" dur="indefinite" restart="never" nodeType="tmRoot"/>
+      </p:par>
+    </p:tnLst>
+  </p:timing>
 </p:sld>
 </file>
 
@@ -8824,7 +8888,7 @@
           <a:blip r:embed="rId3">
             <a:extLst>
               <a:ext uri="{28A0092B-C50C-407E-A947-70E740481C1C}">
-                <a14:useLocalDpi xmlns:a14="http://schemas.microsoft.com/office/drawing/2010/main" val="0"/>
+                <a14:useLocalDpi xmlns:a14="http://schemas.microsoft.com/office/drawing/2010/main" xmlns="" val="0"/>
               </a:ext>
             </a:extLst>
           </a:blip>
@@ -8927,7 +8991,7 @@
     </p:spTree>
     <p:extLst>
       <p:ext uri="{BB962C8B-B14F-4D97-AF65-F5344CB8AC3E}">
-        <p14:creationId xmlns:p14="http://schemas.microsoft.com/office/powerpoint/2010/main" val="3780337053"/>
+        <p14:creationId xmlns:p14="http://schemas.microsoft.com/office/powerpoint/2010/main" xmlns="" val="3780337053"/>
       </p:ext>
     </p:extLst>
   </p:cSld>
@@ -9102,7 +9166,7 @@
           <a:blip r:embed="rId3">
             <a:extLst>
               <a:ext uri="{28A0092B-C50C-407E-A947-70E740481C1C}">
-                <a14:useLocalDpi xmlns:a14="http://schemas.microsoft.com/office/drawing/2010/main" val="0"/>
+                <a14:useLocalDpi xmlns:a14="http://schemas.microsoft.com/office/drawing/2010/main" xmlns="" val="0"/>
               </a:ext>
             </a:extLst>
           </a:blip>
@@ -9132,7 +9196,7 @@
           <a:blip r:embed="rId4">
             <a:extLst>
               <a:ext uri="{28A0092B-C50C-407E-A947-70E740481C1C}">
-                <a14:useLocalDpi xmlns:a14="http://schemas.microsoft.com/office/drawing/2010/main" val="0"/>
+                <a14:useLocalDpi xmlns:a14="http://schemas.microsoft.com/office/drawing/2010/main" xmlns="" val="0"/>
               </a:ext>
             </a:extLst>
           </a:blip>
@@ -9398,7 +9462,7 @@
     </p:spTree>
     <p:extLst>
       <p:ext uri="{BB962C8B-B14F-4D97-AF65-F5344CB8AC3E}">
-        <p14:creationId xmlns:p14="http://schemas.microsoft.com/office/powerpoint/2010/main" val="22660118"/>
+        <p14:creationId xmlns:p14="http://schemas.microsoft.com/office/powerpoint/2010/main" xmlns="" val="22660118"/>
       </p:ext>
     </p:extLst>
   </p:cSld>
@@ -9665,7 +9729,7 @@
     </p:spTree>
     <p:extLst>
       <p:ext uri="{BB962C8B-B14F-4D97-AF65-F5344CB8AC3E}">
-        <p14:creationId xmlns:p14="http://schemas.microsoft.com/office/powerpoint/2010/main" val="3872027741"/>
+        <p14:creationId xmlns:p14="http://schemas.microsoft.com/office/powerpoint/2010/main" xmlns="" val="3872027741"/>
       </p:ext>
     </p:extLst>
   </p:cSld>
@@ -9732,33 +9796,37 @@
         </p:spPr>
         <p:txBody>
           <a:bodyPr>
-            <a:normAutofit fontScale="92500" lnSpcReduction="20000"/>
+            <a:normAutofit fontScale="92500" lnSpcReduction="10000"/>
           </a:bodyPr>
           <a:lstStyle/>
           <a:p>
             <a:r>
-              <a:rPr lang="en-US"/>
-              <a:t>knitr will fill a new document with filler text; delete it</a:t>
-            </a:r>
-          </a:p>
-          <a:p>
-            <a:r>
-              <a:rPr lang="en-US"/>
+              <a:rPr lang="en-US" dirty="0" err="1"/>
+              <a:t>knitr</a:t>
+            </a:r>
+            <a:r>
+              <a:rPr lang="en-US" dirty="0"/>
+              <a:t> will fill a new document with filler text; delete it</a:t>
+            </a:r>
+          </a:p>
+          <a:p>
+            <a:r>
+              <a:rPr lang="en-US" dirty="0"/>
               <a:t>Code chunks begin with </a:t>
             </a:r>
             <a:r>
-              <a:rPr lang="en-US">
+              <a:rPr lang="en-US" dirty="0">
                 <a:latin typeface="Courier"/>
                 <a:cs typeface="Courier"/>
               </a:rPr>
               <a:t>```{r}</a:t>
             </a:r>
             <a:r>
-              <a:rPr lang="en-US"/>
+              <a:rPr lang="en-US" dirty="0"/>
               <a:t> and end with </a:t>
             </a:r>
             <a:r>
-              <a:rPr lang="en-US">
+              <a:rPr lang="en-US" dirty="0">
                 <a:latin typeface="Courier"/>
                 <a:cs typeface="Courier"/>
               </a:rPr>
@@ -9767,54 +9835,68 @@
           </a:p>
           <a:p>
             <a:r>
-              <a:rPr lang="en-US"/>
+              <a:rPr lang="en-US" dirty="0"/>
               <a:t>All R code goes in between these markers</a:t>
             </a:r>
           </a:p>
           <a:p>
             <a:r>
-              <a:rPr lang="en-US"/>
+              <a:rPr lang="en-US" dirty="0"/>
               <a:t>Code chunks can have </a:t>
             </a:r>
             <a:r>
-              <a:rPr lang="en-US" b="1"/>
+              <a:rPr lang="en-US" b="1" dirty="0"/>
               <a:t>names</a:t>
             </a:r>
             <a:r>
-              <a:rPr lang="en-US"/>
+              <a:rPr lang="en-US" dirty="0"/>
               <a:t>, which is useful when we start making graphics</a:t>
             </a:r>
             <a:br>
-              <a:rPr lang="en-US"/>
+              <a:rPr lang="en-US" dirty="0"/>
             </a:br>
             <a:r>
-              <a:rPr lang="en-US" sz="2400">
+              <a:rPr lang="en-US" sz="2400" dirty="0">
                 <a:latin typeface="Courier"/>
                 <a:cs typeface="Courier"/>
               </a:rPr>
-              <a:t>```{r firstchunk}</a:t>
+              <a:t>```{r </a:t>
+            </a:r>
+            <a:r>
+              <a:rPr lang="en-US" sz="2400" dirty="0" err="1">
+                <a:latin typeface="Courier"/>
+                <a:cs typeface="Courier"/>
+              </a:rPr>
+              <a:t>firstchunk</a:t>
+            </a:r>
+            <a:r>
+              <a:rPr lang="en-US" sz="2400" dirty="0">
+                <a:latin typeface="Courier"/>
+                <a:cs typeface="Courier"/>
+              </a:rPr>
+              <a:t>}</a:t>
             </a:r>
             <a:br>
-              <a:rPr lang="en-US" sz="2400">
+              <a:rPr lang="en-US" sz="2400" dirty="0">
                 <a:latin typeface="Courier"/>
                 <a:cs typeface="Courier"/>
               </a:rPr>
             </a:br>
             <a:r>
-              <a:rPr lang="en-US" sz="2400">
+              <a:rPr lang="en-US" sz="2400" dirty="0">
                 <a:latin typeface="Courier"/>
                 <a:cs typeface="Courier"/>
               </a:rPr>
               <a:t>## R code goes here</a:t>
             </a:r>
             <a:br>
-              <a:rPr lang="en-US" sz="2400">
+              <a:rPr lang="en-US" sz="2400" dirty="0">
                 <a:latin typeface="Courier"/>
                 <a:cs typeface="Courier"/>
               </a:rPr>
             </a:br>
             <a:r>
-              <a:rPr lang="en-US" sz="2400">
+              <a:rPr lang="en-US" sz="2400" dirty="0">
                 <a:latin typeface="Courier"/>
                 <a:cs typeface="Courier"/>
               </a:rPr>
@@ -9823,7 +9905,7 @@
           </a:p>
           <a:p>
             <a:r>
-              <a:rPr lang="en-US"/>
+              <a:rPr lang="en-US" dirty="0"/>
               <a:t>By default, code in a code chunk is echoed, as will the results of the computation (if there are results to print)</a:t>
             </a:r>
           </a:p>
@@ -9832,13 +9914,20 @@
     </p:spTree>
     <p:extLst>
       <p:ext uri="{BB962C8B-B14F-4D97-AF65-F5344CB8AC3E}">
-        <p14:creationId xmlns:p14="http://schemas.microsoft.com/office/powerpoint/2010/main" val="64161654"/>
+        <p14:creationId xmlns:p14="http://schemas.microsoft.com/office/powerpoint/2010/main" xmlns="" val="64161654"/>
       </p:ext>
     </p:extLst>
   </p:cSld>
   <p:clrMapOvr>
     <a:masterClrMapping/>
   </p:clrMapOvr>
+  <p:timing>
+    <p:tnLst>
+      <p:par>
+        <p:cTn id="1" dur="indefinite" restart="never" nodeType="tmRoot"/>
+      </p:par>
+    </p:tnLst>
+  </p:timing>
 </p:sld>
 </file>
 
@@ -9877,8 +9966,16 @@
           <a:lstStyle/>
           <a:p>
             <a:r>
-              <a:rPr lang="en-US" sz="3600"/>
-              <a:t>Processing of knitr Documents (what happens under the hood)</a:t>
+              <a:rPr lang="en-US" sz="3600" dirty="0"/>
+              <a:t>Processing of </a:t>
+            </a:r>
+            <a:r>
+              <a:rPr lang="en-US" sz="3600" dirty="0" err="1"/>
+              <a:t>knitr</a:t>
+            </a:r>
+            <a:r>
+              <a:rPr lang="en-US" sz="3600" dirty="0"/>
+              <a:t> Documents (what happens under the hood)</a:t>
             </a:r>
           </a:p>
         </p:txBody>
@@ -9906,39 +10003,87 @@
           <a:lstStyle/>
           <a:p>
             <a:r>
-              <a:rPr lang="en-US"/>
-              <a:t>You write the RMarkdown document (.Rmd)</a:t>
-            </a:r>
-          </a:p>
-          <a:p>
-            <a:r>
-              <a:rPr lang="en-US"/>
-              <a:t>knitr produces a Markdown document (.md)</a:t>
-            </a:r>
-          </a:p>
-          <a:p>
-            <a:r>
-              <a:rPr lang="en-US"/>
-              <a:t>knitr converts the Markdown document into HTML (by default)</a:t>
-            </a:r>
-          </a:p>
-          <a:p>
-            <a:r>
-              <a:rPr lang="en-US"/>
-              <a:t>.Rmd </a:t>
-            </a:r>
-            <a:r>
-              <a:rPr lang="en-US">
+              <a:rPr lang="en-US" dirty="0"/>
+              <a:t>You write the </a:t>
+            </a:r>
+            <a:r>
+              <a:rPr lang="en-US" dirty="0" err="1"/>
+              <a:t>RMarkdown</a:t>
+            </a:r>
+            <a:r>
+              <a:rPr lang="en-US" dirty="0"/>
+              <a:t> document (.</a:t>
+            </a:r>
+            <a:r>
+              <a:rPr lang="en-US" dirty="0" err="1"/>
+              <a:t>Rmd</a:t>
+            </a:r>
+            <a:r>
+              <a:rPr lang="en-US" dirty="0"/>
+              <a:t>)</a:t>
+            </a:r>
+          </a:p>
+          <a:p>
+            <a:r>
+              <a:rPr lang="en-US" dirty="0" err="1"/>
+              <a:t>knitr</a:t>
+            </a:r>
+            <a:r>
+              <a:rPr lang="en-US" dirty="0"/>
+              <a:t> produces a Markdown document (.</a:t>
+            </a:r>
+            <a:r>
+              <a:rPr lang="en-US" dirty="0" err="1"/>
+              <a:t>md</a:t>
+            </a:r>
+            <a:r>
+              <a:rPr lang="en-US" dirty="0"/>
+              <a:t>)</a:t>
+            </a:r>
+          </a:p>
+          <a:p>
+            <a:r>
+              <a:rPr lang="en-US" dirty="0" err="1"/>
+              <a:t>knitr</a:t>
+            </a:r>
+            <a:r>
+              <a:rPr lang="en-US" dirty="0"/>
+              <a:t> converts the Markdown document into HTML (by default)</a:t>
+            </a:r>
+          </a:p>
+          <a:p>
+            <a:r>
+              <a:rPr lang="en-US" dirty="0"/>
+              <a:t>.</a:t>
+            </a:r>
+            <a:r>
+              <a:rPr lang="en-US" dirty="0" err="1"/>
+              <a:t>Rmd</a:t>
+            </a:r>
+            <a:r>
+              <a:rPr lang="en-US" dirty="0"/>
+              <a:t> </a:t>
+            </a:r>
+            <a:r>
+              <a:rPr lang="en-US" dirty="0">
                 <a:sym typeface="Wingdings"/>
               </a:rPr>
               <a:t></a:t>
             </a:r>
             <a:r>
-              <a:rPr lang="en-US"/>
-              <a:t> .md </a:t>
-            </a:r>
-            <a:r>
-              <a:rPr lang="en-US">
+              <a:rPr lang="en-US" dirty="0"/>
+              <a:t> .</a:t>
+            </a:r>
+            <a:r>
+              <a:rPr lang="en-US" dirty="0" err="1"/>
+              <a:t>md</a:t>
+            </a:r>
+            <a:r>
+              <a:rPr lang="en-US" dirty="0"/>
+              <a:t> </a:t>
+            </a:r>
+            <a:r>
+              <a:rPr lang="en-US" dirty="0">
                 <a:sym typeface="Wingdings"/>
               </a:rPr>
               <a:t> .html</a:t>
@@ -9946,25 +10091,44 @@
           </a:p>
           <a:p>
             <a:r>
-              <a:rPr lang="en-US">
+              <a:rPr lang="en-US" dirty="0">
                 <a:sym typeface="Wingdings"/>
               </a:rPr>
-              <a:t>You should NOT edit (or save) the .md or .html documents until you are finished</a:t>
-            </a:r>
-            <a:endParaRPr lang="en-US"/>
+              <a:t>You should NOT edit (or save) the .</a:t>
+            </a:r>
+            <a:r>
+              <a:rPr lang="en-US" dirty="0" err="1">
+                <a:sym typeface="Wingdings"/>
+              </a:rPr>
+              <a:t>md</a:t>
+            </a:r>
+            <a:r>
+              <a:rPr lang="en-US" dirty="0">
+                <a:sym typeface="Wingdings"/>
+              </a:rPr>
+              <a:t> or .html documents until you are finished</a:t>
+            </a:r>
+            <a:endParaRPr lang="en-US" dirty="0"/>
           </a:p>
         </p:txBody>
       </p:sp>
     </p:spTree>
     <p:extLst>
       <p:ext uri="{BB962C8B-B14F-4D97-AF65-F5344CB8AC3E}">
-        <p14:creationId xmlns:p14="http://schemas.microsoft.com/office/powerpoint/2010/main" val="2381474454"/>
+        <p14:creationId xmlns:p14="http://schemas.microsoft.com/office/powerpoint/2010/main" xmlns="" val="2381474454"/>
       </p:ext>
     </p:extLst>
   </p:cSld>
   <p:clrMapOvr>
     <a:masterClrMapping/>
   </p:clrMapOvr>
+  <p:timing>
+    <p:tnLst>
+      <p:par>
+        <p:cTn id="1" dur="indefinite" restart="never" nodeType="tmRoot"/>
+      </p:par>
+    </p:tnLst>
+  </p:timing>
 </p:sld>
 </file>
 
@@ -10001,7 +10165,7 @@
           <a:lstStyle/>
           <a:p>
             <a:r>
-              <a:rPr lang="en-US"/>
+              <a:rPr lang="en-US" dirty="0"/>
               <a:t>Another Example</a:t>
             </a:r>
           </a:p>
@@ -10019,7 +10183,7 @@
           <a:blip r:embed="rId3">
             <a:extLst>
               <a:ext uri="{28A0092B-C50C-407E-A947-70E740481C1C}">
-                <a14:useLocalDpi xmlns:a14="http://schemas.microsoft.com/office/drawing/2010/main" val="0"/>
+                <a14:useLocalDpi xmlns:a14="http://schemas.microsoft.com/office/drawing/2010/main" xmlns="" val="0"/>
               </a:ext>
             </a:extLst>
           </a:blip>
@@ -10268,7 +10432,7 @@
     </p:spTree>
     <p:extLst>
       <p:ext uri="{BB962C8B-B14F-4D97-AF65-F5344CB8AC3E}">
-        <p14:creationId xmlns:p14="http://schemas.microsoft.com/office/powerpoint/2010/main" val="3269089460"/>
+        <p14:creationId xmlns:p14="http://schemas.microsoft.com/office/powerpoint/2010/main" xmlns="" val="3269089460"/>
       </p:ext>
     </p:extLst>
   </p:cSld>
@@ -10562,7 +10726,7 @@
           <a:lstStyle/>
           <a:p>
             <a:r>
-              <a:rPr lang="en-US"/>
+              <a:rPr lang="en-US" dirty="0"/>
               <a:t>Output</a:t>
             </a:r>
           </a:p>
@@ -10580,7 +10744,7 @@
           <a:blip r:embed="rId3">
             <a:extLst>
               <a:ext uri="{28A0092B-C50C-407E-A947-70E740481C1C}">
-                <a14:useLocalDpi xmlns:a14="http://schemas.microsoft.com/office/drawing/2010/main" val="0"/>
+                <a14:useLocalDpi xmlns:a14="http://schemas.microsoft.com/office/drawing/2010/main" xmlns="" val="0"/>
               </a:ext>
             </a:extLst>
           </a:blip>
@@ -10601,13 +10765,20 @@
     </p:spTree>
     <p:extLst>
       <p:ext uri="{BB962C8B-B14F-4D97-AF65-F5344CB8AC3E}">
-        <p14:creationId xmlns:p14="http://schemas.microsoft.com/office/powerpoint/2010/main" val="3779364038"/>
+        <p14:creationId xmlns:p14="http://schemas.microsoft.com/office/powerpoint/2010/main" xmlns="" val="3779364038"/>
       </p:ext>
     </p:extLst>
   </p:cSld>
   <p:clrMapOvr>
     <a:masterClrMapping/>
   </p:clrMapOvr>
+  <p:timing>
+    <p:tnLst>
+      <p:par>
+        <p:cTn id="1" dur="indefinite" restart="never" nodeType="tmRoot"/>
+      </p:par>
+    </p:tnLst>
+  </p:timing>
 </p:sld>
 </file>
 
@@ -10644,7 +10815,7 @@
           <a:lstStyle/>
           <a:p>
             <a:r>
-              <a:rPr lang="en-US"/>
+              <a:rPr lang="en-US" dirty="0"/>
               <a:t>Hiding Results</a:t>
             </a:r>
           </a:p>
@@ -10662,7 +10833,7 @@
           <a:blip r:embed="rId3">
             <a:extLst>
               <a:ext uri="{28A0092B-C50C-407E-A947-70E740481C1C}">
-                <a14:useLocalDpi xmlns:a14="http://schemas.microsoft.com/office/drawing/2010/main" val="0"/>
+                <a14:useLocalDpi xmlns:a14="http://schemas.microsoft.com/office/drawing/2010/main" xmlns="" val="0"/>
               </a:ext>
             </a:extLst>
           </a:blip>
@@ -10683,13 +10854,20 @@
     </p:spTree>
     <p:extLst>
       <p:ext uri="{BB962C8B-B14F-4D97-AF65-F5344CB8AC3E}">
-        <p14:creationId xmlns:p14="http://schemas.microsoft.com/office/powerpoint/2010/main" val="4216386180"/>
+        <p14:creationId xmlns:p14="http://schemas.microsoft.com/office/powerpoint/2010/main" xmlns="" val="4216386180"/>
       </p:ext>
     </p:extLst>
   </p:cSld>
   <p:clrMapOvr>
     <a:masterClrMapping/>
   </p:clrMapOvr>
+  <p:timing>
+    <p:tnLst>
+      <p:par>
+        <p:cTn id="1" dur="indefinite" restart="never" nodeType="tmRoot"/>
+      </p:par>
+    </p:tnLst>
+  </p:timing>
 </p:sld>
 </file>
 
@@ -10726,7 +10904,7 @@
           <a:lstStyle/>
           <a:p>
             <a:r>
-              <a:rPr lang="en-US"/>
+              <a:rPr lang="en-US" dirty="0"/>
               <a:t>Output</a:t>
             </a:r>
           </a:p>
@@ -10744,7 +10922,7 @@
           <a:blip r:embed="rId3">
             <a:extLst>
               <a:ext uri="{28A0092B-C50C-407E-A947-70E740481C1C}">
-                <a14:useLocalDpi xmlns:a14="http://schemas.microsoft.com/office/drawing/2010/main" val="0"/>
+                <a14:useLocalDpi xmlns:a14="http://schemas.microsoft.com/office/drawing/2010/main" xmlns="" val="0"/>
               </a:ext>
             </a:extLst>
           </a:blip>
@@ -10765,13 +10943,20 @@
     </p:spTree>
     <p:extLst>
       <p:ext uri="{BB962C8B-B14F-4D97-AF65-F5344CB8AC3E}">
-        <p14:creationId xmlns:p14="http://schemas.microsoft.com/office/powerpoint/2010/main" val="871974336"/>
+        <p14:creationId xmlns:p14="http://schemas.microsoft.com/office/powerpoint/2010/main" xmlns="" val="871974336"/>
       </p:ext>
     </p:extLst>
   </p:cSld>
   <p:clrMapOvr>
     <a:masterClrMapping/>
   </p:clrMapOvr>
+  <p:timing>
+    <p:tnLst>
+      <p:par>
+        <p:cTn id="1" dur="indefinite" restart="never" nodeType="tmRoot"/>
+      </p:par>
+    </p:tnLst>
+  </p:timing>
 </p:sld>
 </file>
 
@@ -10808,7 +10993,7 @@
           <a:lstStyle/>
           <a:p>
             <a:r>
-              <a:rPr lang="en-US"/>
+              <a:rPr lang="en-US" dirty="0"/>
               <a:t>Inline Text Computations</a:t>
             </a:r>
           </a:p>
@@ -10826,7 +11011,7 @@
           <a:blip r:embed="rId3">
             <a:extLst>
               <a:ext uri="{28A0092B-C50C-407E-A947-70E740481C1C}">
-                <a14:useLocalDpi xmlns:a14="http://schemas.microsoft.com/office/drawing/2010/main" val="0"/>
+                <a14:useLocalDpi xmlns:a14="http://schemas.microsoft.com/office/drawing/2010/main" xmlns="" val="0"/>
               </a:ext>
             </a:extLst>
           </a:blip>
@@ -10847,13 +11032,20 @@
     </p:spTree>
     <p:extLst>
       <p:ext uri="{BB962C8B-B14F-4D97-AF65-F5344CB8AC3E}">
-        <p14:creationId xmlns:p14="http://schemas.microsoft.com/office/powerpoint/2010/main" val="1969978995"/>
+        <p14:creationId xmlns:p14="http://schemas.microsoft.com/office/powerpoint/2010/main" xmlns="" val="1969978995"/>
       </p:ext>
     </p:extLst>
   </p:cSld>
   <p:clrMapOvr>
     <a:masterClrMapping/>
   </p:clrMapOvr>
+  <p:timing>
+    <p:tnLst>
+      <p:par>
+        <p:cTn id="1" dur="indefinite" restart="never" nodeType="tmRoot"/>
+      </p:par>
+    </p:tnLst>
+  </p:timing>
 </p:sld>
 </file>
 
@@ -10890,7 +11082,7 @@
           <a:lstStyle/>
           <a:p>
             <a:r>
-              <a:rPr lang="en-US"/>
+              <a:rPr lang="en-US" dirty="0"/>
               <a:t>Inline Text Computations</a:t>
             </a:r>
           </a:p>
@@ -10908,7 +11100,7 @@
           <a:blip r:embed="rId3">
             <a:extLst>
               <a:ext uri="{28A0092B-C50C-407E-A947-70E740481C1C}">
-                <a14:useLocalDpi xmlns:a14="http://schemas.microsoft.com/office/drawing/2010/main" val="0"/>
+                <a14:useLocalDpi xmlns:a14="http://schemas.microsoft.com/office/drawing/2010/main" xmlns="" val="0"/>
               </a:ext>
             </a:extLst>
           </a:blip>
@@ -10929,13 +11121,20 @@
     </p:spTree>
     <p:extLst>
       <p:ext uri="{BB962C8B-B14F-4D97-AF65-F5344CB8AC3E}">
-        <p14:creationId xmlns:p14="http://schemas.microsoft.com/office/powerpoint/2010/main" val="1838563031"/>
+        <p14:creationId xmlns:p14="http://schemas.microsoft.com/office/powerpoint/2010/main" xmlns="" val="1838563031"/>
       </p:ext>
     </p:extLst>
   </p:cSld>
   <p:clrMapOvr>
     <a:masterClrMapping/>
   </p:clrMapOvr>
+  <p:timing>
+    <p:tnLst>
+      <p:par>
+        <p:cTn id="1" dur="indefinite" restart="never" nodeType="tmRoot"/>
+      </p:par>
+    </p:tnLst>
+  </p:timing>
 </p:sld>
 </file>
 
@@ -10968,7 +11167,7 @@
           <a:blip r:embed="rId3">
             <a:extLst>
               <a:ext uri="{28A0092B-C50C-407E-A947-70E740481C1C}">
-                <a14:useLocalDpi xmlns:a14="http://schemas.microsoft.com/office/drawing/2010/main" val="0"/>
+                <a14:useLocalDpi xmlns:a14="http://schemas.microsoft.com/office/drawing/2010/main" xmlns="" val="0"/>
               </a:ext>
             </a:extLst>
           </a:blip>
@@ -11002,7 +11201,7 @@
           <a:lstStyle/>
           <a:p>
             <a:r>
-              <a:rPr lang="en-US"/>
+              <a:rPr lang="en-US" dirty="0"/>
               <a:t>Incorporating Graphics</a:t>
             </a:r>
           </a:p>
@@ -11087,7 +11286,7 @@
     </p:spTree>
     <p:extLst>
       <p:ext uri="{BB962C8B-B14F-4D97-AF65-F5344CB8AC3E}">
-        <p14:creationId xmlns:p14="http://schemas.microsoft.com/office/powerpoint/2010/main" val="437205186"/>
+        <p14:creationId xmlns:p14="http://schemas.microsoft.com/office/powerpoint/2010/main" xmlns="" val="437205186"/>
       </p:ext>
     </p:extLst>
   </p:cSld>
@@ -11235,8 +11434,20 @@
           <a:lstStyle/>
           <a:p>
             <a:r>
-              <a:rPr lang="en-US"/>
-              <a:t>What knitr Produces in HTML</a:t>
+              <a:rPr lang="en-US" dirty="0"/>
+              <a:t>What </a:t>
+            </a:r>
+            <a:r>
+              <a:rPr lang="en-US" dirty="0" err="1" smtClean="0"/>
+              <a:t>knitr</a:t>
+            </a:r>
+            <a:r>
+              <a:rPr lang="en-US" dirty="0" smtClean="0"/>
+              <a:t> </a:t>
+            </a:r>
+            <a:r>
+              <a:rPr lang="en-US" dirty="0"/>
+              <a:t>Produces in HTML</a:t>
             </a:r>
           </a:p>
         </p:txBody>
@@ -11253,7 +11464,7 @@
           <a:blip r:embed="rId3">
             <a:extLst>
               <a:ext uri="{28A0092B-C50C-407E-A947-70E740481C1C}">
-                <a14:useLocalDpi xmlns:a14="http://schemas.microsoft.com/office/drawing/2010/main" val="0"/>
+                <a14:useLocalDpi xmlns:a14="http://schemas.microsoft.com/office/drawing/2010/main" xmlns="" val="0"/>
               </a:ext>
             </a:extLst>
           </a:blip>
@@ -11350,13 +11561,20 @@
     </p:spTree>
     <p:extLst>
       <p:ext uri="{BB962C8B-B14F-4D97-AF65-F5344CB8AC3E}">
-        <p14:creationId xmlns:p14="http://schemas.microsoft.com/office/powerpoint/2010/main" val="3715673326"/>
+        <p14:creationId xmlns:p14="http://schemas.microsoft.com/office/powerpoint/2010/main" xmlns="" val="3715673326"/>
       </p:ext>
     </p:extLst>
   </p:cSld>
   <p:clrMapOvr>
     <a:masterClrMapping/>
   </p:clrMapOvr>
+  <p:timing>
+    <p:tnLst>
+      <p:par>
+        <p:cTn id="1" dur="indefinite" restart="never" nodeType="tmRoot"/>
+      </p:par>
+    </p:tnLst>
+  </p:timing>
 </p:sld>
 </file>
 
@@ -11444,7 +11662,7 @@
     </p:spTree>
     <p:extLst>
       <p:ext uri="{BB962C8B-B14F-4D97-AF65-F5344CB8AC3E}">
-        <p14:creationId xmlns:p14="http://schemas.microsoft.com/office/powerpoint/2010/main" val="298781031"/>
+        <p14:creationId xmlns:p14="http://schemas.microsoft.com/office/powerpoint/2010/main" xmlns="" val="298781031"/>
       </p:ext>
     </p:extLst>
   </p:cSld>
@@ -11487,7 +11705,7 @@
           <a:lstStyle/>
           <a:p>
             <a:r>
-              <a:rPr lang="en-US"/>
+              <a:rPr lang="en-US" dirty="0"/>
               <a:t>Incorporating Graphics</a:t>
             </a:r>
           </a:p>
@@ -11505,7 +11723,7 @@
           <a:blip r:embed="rId3">
             <a:extLst>
               <a:ext uri="{28A0092B-C50C-407E-A947-70E740481C1C}">
-                <a14:useLocalDpi xmlns:a14="http://schemas.microsoft.com/office/drawing/2010/main" val="0"/>
+                <a14:useLocalDpi xmlns:a14="http://schemas.microsoft.com/office/drawing/2010/main" xmlns="" val="0"/>
               </a:ext>
             </a:extLst>
           </a:blip>
@@ -11526,13 +11744,20 @@
     </p:spTree>
     <p:extLst>
       <p:ext uri="{BB962C8B-B14F-4D97-AF65-F5344CB8AC3E}">
-        <p14:creationId xmlns:p14="http://schemas.microsoft.com/office/powerpoint/2010/main" val="2554023417"/>
+        <p14:creationId xmlns:p14="http://schemas.microsoft.com/office/powerpoint/2010/main" xmlns="" val="2554023417"/>
       </p:ext>
     </p:extLst>
   </p:cSld>
   <p:clrMapOvr>
     <a:masterClrMapping/>
   </p:clrMapOvr>
+  <p:timing>
+    <p:tnLst>
+      <p:par>
+        <p:cTn id="1" dur="indefinite" restart="never" nodeType="tmRoot"/>
+      </p:par>
+    </p:tnLst>
+  </p:timing>
 </p:sld>
 </file>
 
@@ -11569,9 +11794,14 @@
           <a:lstStyle/>
           <a:p>
             <a:r>
-              <a:rPr lang="en-US"/>
-              <a:t>Making Tables with xtable</a:t>
-            </a:r>
+              <a:rPr lang="en-US" dirty="0"/>
+              <a:t>Making Tables with </a:t>
+            </a:r>
+            <a:r>
+              <a:rPr lang="en-US" dirty="0" err="1"/>
+              <a:t>xtable</a:t>
+            </a:r>
+            <a:endParaRPr lang="en-US" dirty="0"/>
           </a:p>
         </p:txBody>
       </p:sp>
@@ -11587,7 +11817,7 @@
           <a:blip r:embed="rId3">
             <a:extLst>
               <a:ext uri="{28A0092B-C50C-407E-A947-70E740481C1C}">
-                <a14:useLocalDpi xmlns:a14="http://schemas.microsoft.com/office/drawing/2010/main" val="0"/>
+                <a14:useLocalDpi xmlns:a14="http://schemas.microsoft.com/office/drawing/2010/main" xmlns="" val="0"/>
               </a:ext>
             </a:extLst>
           </a:blip>
@@ -11608,13 +11838,20 @@
     </p:spTree>
     <p:extLst>
       <p:ext uri="{BB962C8B-B14F-4D97-AF65-F5344CB8AC3E}">
-        <p14:creationId xmlns:p14="http://schemas.microsoft.com/office/powerpoint/2010/main" val="1793503699"/>
+        <p14:creationId xmlns:p14="http://schemas.microsoft.com/office/powerpoint/2010/main" xmlns="" val="1793503699"/>
       </p:ext>
     </p:extLst>
   </p:cSld>
   <p:clrMapOvr>
     <a:masterClrMapping/>
   </p:clrMapOvr>
+  <p:timing>
+    <p:tnLst>
+      <p:par>
+        <p:cTn id="1" dur="indefinite" restart="never" nodeType="tmRoot"/>
+      </p:par>
+    </p:tnLst>
+  </p:timing>
 </p:sld>
 </file>
 
@@ -11651,9 +11888,14 @@
           <a:lstStyle/>
           <a:p>
             <a:r>
-              <a:rPr lang="en-US"/>
-              <a:t>Making Tables with xtable</a:t>
-            </a:r>
+              <a:rPr lang="en-US" dirty="0"/>
+              <a:t>Making Tables with </a:t>
+            </a:r>
+            <a:r>
+              <a:rPr lang="en-US" dirty="0" err="1"/>
+              <a:t>xtable</a:t>
+            </a:r>
+            <a:endParaRPr lang="en-US" dirty="0"/>
           </a:p>
         </p:txBody>
       </p:sp>
@@ -11669,7 +11911,7 @@
           <a:blip r:embed="rId3">
             <a:extLst>
               <a:ext uri="{28A0092B-C50C-407E-A947-70E740481C1C}">
-                <a14:useLocalDpi xmlns:a14="http://schemas.microsoft.com/office/drawing/2010/main" val="0"/>
+                <a14:useLocalDpi xmlns:a14="http://schemas.microsoft.com/office/drawing/2010/main" xmlns="" val="0"/>
               </a:ext>
             </a:extLst>
           </a:blip>
@@ -11690,13 +11932,20 @@
     </p:spTree>
     <p:extLst>
       <p:ext uri="{BB962C8B-B14F-4D97-AF65-F5344CB8AC3E}">
-        <p14:creationId xmlns:p14="http://schemas.microsoft.com/office/powerpoint/2010/main" val="900603566"/>
+        <p14:creationId xmlns:p14="http://schemas.microsoft.com/office/powerpoint/2010/main" xmlns="" val="900603566"/>
       </p:ext>
     </p:extLst>
   </p:cSld>
   <p:clrMapOvr>
     <a:masterClrMapping/>
   </p:clrMapOvr>
+  <p:timing>
+    <p:tnLst>
+      <p:par>
+        <p:cTn id="1" dur="indefinite" restart="never" nodeType="tmRoot"/>
+      </p:par>
+    </p:tnLst>
+  </p:timing>
 </p:sld>
 </file>
 
@@ -11733,7 +11982,7 @@
           <a:lstStyle/>
           <a:p>
             <a:r>
-              <a:rPr lang="en-US"/>
+              <a:rPr lang="en-US" dirty="0"/>
               <a:t>Setting Global Options</a:t>
             </a:r>
           </a:p>
@@ -11757,27 +12006,27 @@
           <a:lstStyle/>
           <a:p>
             <a:r>
-              <a:rPr lang="en-US"/>
+              <a:rPr lang="en-US" dirty="0"/>
               <a:t>Sometimes we want to set options for </a:t>
             </a:r>
             <a:r>
-              <a:rPr lang="en-US" b="1"/>
+              <a:rPr lang="en-US" b="1" dirty="0"/>
               <a:t>every</a:t>
             </a:r>
             <a:r>
-              <a:rPr lang="en-US"/>
+              <a:rPr lang="en-US" dirty="0"/>
               <a:t> code chunk that are different from the defaults</a:t>
             </a:r>
           </a:p>
           <a:p>
             <a:r>
-              <a:rPr lang="en-US"/>
+              <a:rPr lang="en-US" dirty="0"/>
               <a:t>For example, we may want to suppress all code echoing and results output</a:t>
             </a:r>
           </a:p>
           <a:p>
             <a:r>
-              <a:rPr lang="en-US"/>
+              <a:rPr lang="en-US" dirty="0"/>
               <a:t>We have to write some code to set these global options</a:t>
             </a:r>
           </a:p>
@@ -11786,13 +12035,20 @@
     </p:spTree>
     <p:extLst>
       <p:ext uri="{BB962C8B-B14F-4D97-AF65-F5344CB8AC3E}">
-        <p14:creationId xmlns:p14="http://schemas.microsoft.com/office/powerpoint/2010/main" val="1667413371"/>
+        <p14:creationId xmlns:p14="http://schemas.microsoft.com/office/powerpoint/2010/main" xmlns="" val="1667413371"/>
       </p:ext>
     </p:extLst>
   </p:cSld>
   <p:clrMapOvr>
     <a:masterClrMapping/>
   </p:clrMapOvr>
+  <p:timing>
+    <p:tnLst>
+      <p:par>
+        <p:cTn id="1" dur="indefinite" restart="never" nodeType="tmRoot"/>
+      </p:par>
+    </p:tnLst>
+  </p:timing>
 </p:sld>
 </file>
 
@@ -11829,7 +12085,7 @@
           <a:lstStyle/>
           <a:p>
             <a:r>
-              <a:rPr lang="en-US"/>
+              <a:rPr lang="en-US" dirty="0"/>
               <a:t>Setting Global Options</a:t>
             </a:r>
           </a:p>
@@ -11847,7 +12103,7 @@
           <a:blip r:embed="rId3">
             <a:extLst>
               <a:ext uri="{28A0092B-C50C-407E-A947-70E740481C1C}">
-                <a14:useLocalDpi xmlns:a14="http://schemas.microsoft.com/office/drawing/2010/main" val="0"/>
+                <a14:useLocalDpi xmlns:a14="http://schemas.microsoft.com/office/drawing/2010/main" xmlns="" val="0"/>
               </a:ext>
             </a:extLst>
           </a:blip>
@@ -12061,7 +12317,7 @@
     </p:spTree>
     <p:extLst>
       <p:ext uri="{BB962C8B-B14F-4D97-AF65-F5344CB8AC3E}">
-        <p14:creationId xmlns:p14="http://schemas.microsoft.com/office/powerpoint/2010/main" val="1270062451"/>
+        <p14:creationId xmlns:p14="http://schemas.microsoft.com/office/powerpoint/2010/main" xmlns="" val="1270062451"/>
       </p:ext>
     </p:extLst>
   </p:cSld>
@@ -12328,7 +12584,7 @@
           <a:lstStyle/>
           <a:p>
             <a:r>
-              <a:rPr lang="en-US"/>
+              <a:rPr lang="en-US" dirty="0"/>
               <a:t>Setting Global Options</a:t>
             </a:r>
           </a:p>
@@ -12346,7 +12602,7 @@
           <a:blip r:embed="rId3">
             <a:extLst>
               <a:ext uri="{28A0092B-C50C-407E-A947-70E740481C1C}">
-                <a14:useLocalDpi xmlns:a14="http://schemas.microsoft.com/office/drawing/2010/main" val="0"/>
+                <a14:useLocalDpi xmlns:a14="http://schemas.microsoft.com/office/drawing/2010/main" xmlns="" val="0"/>
               </a:ext>
             </a:extLst>
           </a:blip>
@@ -12367,13 +12623,20 @@
     </p:spTree>
     <p:extLst>
       <p:ext uri="{BB962C8B-B14F-4D97-AF65-F5344CB8AC3E}">
-        <p14:creationId xmlns:p14="http://schemas.microsoft.com/office/powerpoint/2010/main" val="3443232455"/>
+        <p14:creationId xmlns:p14="http://schemas.microsoft.com/office/powerpoint/2010/main" xmlns="" val="3443232455"/>
       </p:ext>
     </p:extLst>
   </p:cSld>
   <p:clrMapOvr>
     <a:masterClrMapping/>
   </p:clrMapOvr>
+  <p:timing>
+    <p:tnLst>
+      <p:par>
+        <p:cTn id="1" dur="indefinite" restart="never" nodeType="tmRoot"/>
+      </p:par>
+    </p:tnLst>
+  </p:timing>
 </p:sld>
 </file>
 
@@ -12432,42 +12695,58 @@
           <a:lstStyle/>
           <a:p>
             <a:r>
-              <a:rPr lang="en-US"/>
+              <a:rPr lang="en-US" dirty="0"/>
               <a:t>Output</a:t>
             </a:r>
           </a:p>
           <a:p>
             <a:pPr lvl="1"/>
             <a:r>
-              <a:rPr lang="en-US"/>
-              <a:t>results: “asis”, “hide”</a:t>
+              <a:rPr lang="en-US" dirty="0"/>
+              <a:t>results: “</a:t>
+            </a:r>
+            <a:r>
+              <a:rPr lang="en-US" dirty="0" err="1"/>
+              <a:t>asis</a:t>
+            </a:r>
+            <a:r>
+              <a:rPr lang="en-US" dirty="0"/>
+              <a:t>”, “hide”</a:t>
             </a:r>
           </a:p>
           <a:p>
             <a:pPr lvl="1"/>
             <a:r>
-              <a:rPr lang="en-US"/>
+              <a:rPr lang="en-US" dirty="0"/>
               <a:t>echo: TRUE, FALSE</a:t>
             </a:r>
           </a:p>
           <a:p>
             <a:r>
-              <a:rPr lang="en-US"/>
+              <a:rPr lang="en-US" dirty="0"/>
               <a:t>Figures</a:t>
             </a:r>
           </a:p>
           <a:p>
             <a:pPr lvl="1"/>
             <a:r>
-              <a:rPr lang="en-US"/>
-              <a:t>fig.height: numeric</a:t>
+              <a:rPr lang="en-US" dirty="0" err="1"/>
+              <a:t>fig.height</a:t>
+            </a:r>
+            <a:r>
+              <a:rPr lang="en-US" dirty="0"/>
+              <a:t>: numeric</a:t>
             </a:r>
           </a:p>
           <a:p>
             <a:pPr lvl="1"/>
             <a:r>
-              <a:rPr lang="en-US"/>
-              <a:t>fig.width: numeric</a:t>
+              <a:rPr lang="en-US" dirty="0" err="1"/>
+              <a:t>fig.width</a:t>
+            </a:r>
+            <a:r>
+              <a:rPr lang="en-US" dirty="0"/>
+              <a:t>: numeric</a:t>
             </a:r>
           </a:p>
         </p:txBody>
@@ -12475,13 +12754,20 @@
     </p:spTree>
     <p:extLst>
       <p:ext uri="{BB962C8B-B14F-4D97-AF65-F5344CB8AC3E}">
-        <p14:creationId xmlns:p14="http://schemas.microsoft.com/office/powerpoint/2010/main" val="4213013086"/>
+        <p14:creationId xmlns:p14="http://schemas.microsoft.com/office/powerpoint/2010/main" xmlns="" val="4213013086"/>
       </p:ext>
     </p:extLst>
   </p:cSld>
   <p:clrMapOvr>
     <a:masterClrMapping/>
   </p:clrMapOvr>
+  <p:timing>
+    <p:tnLst>
+      <p:par>
+        <p:cTn id="1" dur="indefinite" restart="never" nodeType="tmRoot"/>
+      </p:par>
+    </p:tnLst>
+  </p:timing>
 </p:sld>
 </file>
 
@@ -12542,36 +12828,36 @@
           <a:lstStyle/>
           <a:p>
             <a:r>
-              <a:rPr lang="en-US"/>
+              <a:rPr lang="en-US" dirty="0"/>
               <a:t>What if one chunk takes a long time to run?</a:t>
             </a:r>
           </a:p>
           <a:p>
             <a:r>
-              <a:rPr lang="en-US"/>
+              <a:rPr lang="en-US" dirty="0"/>
               <a:t>All chunks have to be re-computed every time you re-knit the file</a:t>
             </a:r>
           </a:p>
           <a:p>
             <a:r>
-              <a:rPr lang="en-US"/>
+              <a:rPr lang="en-US" dirty="0"/>
               <a:t>The </a:t>
             </a:r>
             <a:r>
-              <a:rPr lang="en-US" sz="2400">
+              <a:rPr lang="en-US" sz="2400" dirty="0">
                 <a:latin typeface="Courier"/>
                 <a:cs typeface="Courier"/>
               </a:rPr>
               <a:t>cache=TRUE </a:t>
             </a:r>
             <a:r>
-              <a:rPr lang="en-US"/>
+              <a:rPr lang="en-US" dirty="0"/>
               <a:t>option can be set on a chunk-by-chunk basis to store results of computation</a:t>
             </a:r>
           </a:p>
           <a:p>
             <a:r>
-              <a:rPr lang="en-US"/>
+              <a:rPr lang="en-US" dirty="0"/>
               <a:t>After the first run, results are loaded from cache</a:t>
             </a:r>
           </a:p>
@@ -12580,13 +12866,20 @@
     </p:spTree>
     <p:extLst>
       <p:ext uri="{BB962C8B-B14F-4D97-AF65-F5344CB8AC3E}">
-        <p14:creationId xmlns:p14="http://schemas.microsoft.com/office/powerpoint/2010/main" val="773173514"/>
+        <p14:creationId xmlns:p14="http://schemas.microsoft.com/office/powerpoint/2010/main" xmlns="" val="773173514"/>
       </p:ext>
     </p:extLst>
   </p:cSld>
   <p:clrMapOvr>
     <a:masterClrMapping/>
   </p:clrMapOvr>
+  <p:timing>
+    <p:tnLst>
+      <p:par>
+        <p:cTn id="1" dur="indefinite" restart="never" nodeType="tmRoot"/>
+      </p:par>
+    </p:tnLst>
+  </p:timing>
 </p:sld>
 </file>
 
@@ -12645,27 +12938,27 @@
           <a:lstStyle/>
           <a:p>
             <a:r>
-              <a:rPr lang="en-US"/>
+              <a:rPr lang="en-US" dirty="0"/>
               <a:t>If the data or code (or anything external) changes, you need to re-run the cached code chunks</a:t>
             </a:r>
           </a:p>
           <a:p>
             <a:r>
-              <a:rPr lang="en-US"/>
+              <a:rPr lang="en-US" dirty="0"/>
               <a:t>Dependencies are not checked explicitly</a:t>
             </a:r>
           </a:p>
           <a:p>
             <a:r>
-              <a:rPr lang="en-US"/>
+              <a:rPr lang="en-US" dirty="0"/>
               <a:t>Chunks with significant </a:t>
             </a:r>
             <a:r>
-              <a:rPr lang="en-US" i="1"/>
+              <a:rPr lang="en-US" i="1" dirty="0"/>
               <a:t>side effects</a:t>
             </a:r>
             <a:r>
-              <a:rPr lang="en-US"/>
+              <a:rPr lang="en-US" dirty="0"/>
               <a:t> may not be cacheable</a:t>
             </a:r>
           </a:p>
@@ -12674,13 +12967,20 @@
     </p:spTree>
     <p:extLst>
       <p:ext uri="{BB962C8B-B14F-4D97-AF65-F5344CB8AC3E}">
-        <p14:creationId xmlns:p14="http://schemas.microsoft.com/office/powerpoint/2010/main" val="834833086"/>
+        <p14:creationId xmlns:p14="http://schemas.microsoft.com/office/powerpoint/2010/main" xmlns="" val="834833086"/>
       </p:ext>
     </p:extLst>
   </p:cSld>
   <p:clrMapOvr>
     <a:masterClrMapping/>
   </p:clrMapOvr>
+  <p:timing>
+    <p:tnLst>
+      <p:par>
+        <p:cTn id="1" dur="indefinite" restart="never" nodeType="tmRoot"/>
+      </p:par>
+    </p:tnLst>
+  </p:timing>
 </p:sld>
 </file>
 
@@ -12739,31 +13039,42 @@
           <a:lstStyle/>
           <a:p>
             <a:r>
-              <a:rPr lang="en-US"/>
+              <a:rPr lang="en-US" dirty="0"/>
               <a:t>Literate statistical programming can be a useful way to put text, code, data, output all in one document</a:t>
             </a:r>
           </a:p>
           <a:p>
             <a:r>
-              <a:rPr lang="en-US"/>
-              <a:t>knitr is a powerful tool for integrating code and text in a simple document format</a:t>
-            </a:r>
-          </a:p>
-          <a:p>
-            <a:endParaRPr lang="en-US"/>
+              <a:rPr lang="en-US" dirty="0" err="1"/>
+              <a:t>knitr</a:t>
+            </a:r>
+            <a:r>
+              <a:rPr lang="en-US" dirty="0"/>
+              <a:t> is a powerful tool for integrating code and text in a simple document format</a:t>
+            </a:r>
+          </a:p>
+          <a:p>
+            <a:endParaRPr lang="en-US" dirty="0"/>
           </a:p>
         </p:txBody>
       </p:sp>
     </p:spTree>
     <p:extLst>
       <p:ext uri="{BB962C8B-B14F-4D97-AF65-F5344CB8AC3E}">
-        <p14:creationId xmlns:p14="http://schemas.microsoft.com/office/powerpoint/2010/main" val="945192551"/>
+        <p14:creationId xmlns:p14="http://schemas.microsoft.com/office/powerpoint/2010/main" xmlns="" val="945192551"/>
       </p:ext>
     </p:extLst>
   </p:cSld>
   <p:clrMapOvr>
     <a:masterClrMapping/>
   </p:clrMapOvr>
+  <p:timing>
+    <p:tnLst>
+      <p:par>
+        <p:cTn id="1" dur="indefinite" restart="never" nodeType="tmRoot"/>
+      </p:par>
+    </p:tnLst>
+  </p:timing>
 </p:sld>
 </file>
 
@@ -12897,7 +13208,7 @@
     </p:spTree>
     <p:extLst>
       <p:ext uri="{BB962C8B-B14F-4D97-AF65-F5344CB8AC3E}">
-        <p14:creationId xmlns:p14="http://schemas.microsoft.com/office/powerpoint/2010/main" val="916578490"/>
+        <p14:creationId xmlns:p14="http://schemas.microsoft.com/office/powerpoint/2010/main" xmlns="" val="916578490"/>
       </p:ext>
     </p:extLst>
   </p:cSld>
@@ -13022,7 +13333,7 @@
     </p:spTree>
     <p:extLst>
       <p:ext uri="{BB962C8B-B14F-4D97-AF65-F5344CB8AC3E}">
-        <p14:creationId xmlns:p14="http://schemas.microsoft.com/office/powerpoint/2010/main" val="467564262"/>
+        <p14:creationId xmlns:p14="http://schemas.microsoft.com/office/powerpoint/2010/main" xmlns="" val="467564262"/>
       </p:ext>
     </p:extLst>
   </p:cSld>
@@ -13124,7 +13435,7 @@
     </p:spTree>
     <p:extLst>
       <p:ext uri="{BB962C8B-B14F-4D97-AF65-F5344CB8AC3E}">
-        <p14:creationId xmlns:p14="http://schemas.microsoft.com/office/powerpoint/2010/main" val="3498052192"/>
+        <p14:creationId xmlns:p14="http://schemas.microsoft.com/office/powerpoint/2010/main" xmlns="" val="3498052192"/>
       </p:ext>
     </p:extLst>
   </p:cSld>
@@ -13212,7 +13523,7 @@
     </p:spTree>
     <p:extLst>
       <p:ext uri="{BB962C8B-B14F-4D97-AF65-F5344CB8AC3E}">
-        <p14:creationId xmlns:p14="http://schemas.microsoft.com/office/powerpoint/2010/main" val="752591070"/>
+        <p14:creationId xmlns:p14="http://schemas.microsoft.com/office/powerpoint/2010/main" xmlns="" val="752591070"/>
       </p:ext>
     </p:extLst>
   </p:cSld>
@@ -13300,7 +13611,7 @@
     </p:spTree>
     <p:extLst>
       <p:ext uri="{BB962C8B-B14F-4D97-AF65-F5344CB8AC3E}">
-        <p14:creationId xmlns:p14="http://schemas.microsoft.com/office/powerpoint/2010/main" val="3075502494"/>
+        <p14:creationId xmlns:p14="http://schemas.microsoft.com/office/powerpoint/2010/main" xmlns="" val="3075502494"/>
       </p:ext>
     </p:extLst>
   </p:cSld>
@@ -13453,7 +13764,7 @@
     </p:spTree>
     <p:extLst>
       <p:ext uri="{BB962C8B-B14F-4D97-AF65-F5344CB8AC3E}">
-        <p14:creationId xmlns:p14="http://schemas.microsoft.com/office/powerpoint/2010/main" val="3096023671"/>
+        <p14:creationId xmlns:p14="http://schemas.microsoft.com/office/powerpoint/2010/main" xmlns="" val="3096023671"/>
       </p:ext>
     </p:extLst>
   </p:cSld>
